--- a/Part5_d3-maps/doc/tuorial_spatial-geo-chart.pptx
+++ b/Part5_d3-maps/doc/tuorial_spatial-geo-chart.pptx
@@ -205,7 +205,7 @@
           <a:p>
             <a:fld id="{091980EB-4DF1-EE46-A48B-2E4CDDDDD502}" type="datetimeFigureOut">
               <a:rPr lang="en-US" smtClean="0"/>
-              <a:t>3/28/22</a:t>
+              <a:t>3/27/23</a:t>
             </a:fld>
             <a:endParaRPr lang="en-US"/>
           </a:p>
@@ -1025,7 +1025,7 @@
                 <a:ea typeface="Source Sans Pro" charset="0"/>
                 <a:cs typeface="Source Sans Pro" charset="0"/>
               </a:rPr>
-              <a:t>Information Visualization 2018 | Computer Science &amp; iCompetence</a:t>
+              <a:t>Information Visualization 2023 | Computer Science &amp; iCompetence</a:t>
             </a:r>
           </a:p>
           <a:p>
@@ -1059,7 +1059,7 @@
                 <a:ea typeface="Source Sans Pro" charset="0"/>
                 <a:cs typeface="Source Sans Pro" charset="0"/>
               </a:rPr>
-              <a:t>March/April 2022</a:t>
+              <a:t>March/April 2023</a:t>
             </a:r>
           </a:p>
           <a:p>
@@ -1324,7 +1324,7 @@
                 <a:ea typeface="+mn-ea"/>
                 <a:cs typeface="+mn-cs"/>
               </a:rPr>
-              <a:t>Copy ‘template’ folder from Active Directory</a:t>
+              <a:t>Copy ‘template’ folder from Teams</a:t>
             </a:r>
           </a:p>
         </p:txBody>
